--- a/img/decision_trees.pptx
+++ b/img/decision_trees.pptx
@@ -6,9 +6,9 @@
   </p:sldMasterIdLst>
   <p:sldIdLst>
     <p:sldId id="257" r:id="rId2"/>
-    <p:sldId id="264" r:id="rId3"/>
-    <p:sldId id="258" r:id="rId4"/>
-    <p:sldId id="259" r:id="rId5"/>
+    <p:sldId id="258" r:id="rId3"/>
+    <p:sldId id="264" r:id="rId4"/>
+    <p:sldId id="263" r:id="rId5"/>
     <p:sldId id="260" r:id="rId6"/>
     <p:sldId id="261" r:id="rId7"/>
     <p:sldId id="262" r:id="rId8"/>
@@ -249,7 +249,7 @@
           <a:p>
             <a:fld id="{A16A1021-2BFE-42FD-AEF7-2933E8367215}" type="datetimeFigureOut">
               <a:rPr lang="tr-TR" smtClean="0"/>
-              <a:t>5.01.2020</a:t>
+              <a:t>24.09.2020</a:t>
             </a:fld>
             <a:endParaRPr lang="tr-TR"/>
           </a:p>
@@ -419,7 +419,7 @@
           <a:p>
             <a:fld id="{A16A1021-2BFE-42FD-AEF7-2933E8367215}" type="datetimeFigureOut">
               <a:rPr lang="tr-TR" smtClean="0"/>
-              <a:t>5.01.2020</a:t>
+              <a:t>24.09.2020</a:t>
             </a:fld>
             <a:endParaRPr lang="tr-TR"/>
           </a:p>
@@ -599,7 +599,7 @@
           <a:p>
             <a:fld id="{A16A1021-2BFE-42FD-AEF7-2933E8367215}" type="datetimeFigureOut">
               <a:rPr lang="tr-TR" smtClean="0"/>
-              <a:t>5.01.2020</a:t>
+              <a:t>24.09.2020</a:t>
             </a:fld>
             <a:endParaRPr lang="tr-TR"/>
           </a:p>
@@ -769,7 +769,7 @@
           <a:p>
             <a:fld id="{A16A1021-2BFE-42FD-AEF7-2933E8367215}" type="datetimeFigureOut">
               <a:rPr lang="tr-TR" smtClean="0"/>
-              <a:t>5.01.2020</a:t>
+              <a:t>24.09.2020</a:t>
             </a:fld>
             <a:endParaRPr lang="tr-TR"/>
           </a:p>
@@ -1015,7 +1015,7 @@
           <a:p>
             <a:fld id="{A16A1021-2BFE-42FD-AEF7-2933E8367215}" type="datetimeFigureOut">
               <a:rPr lang="tr-TR" smtClean="0"/>
-              <a:t>5.01.2020</a:t>
+              <a:t>24.09.2020</a:t>
             </a:fld>
             <a:endParaRPr lang="tr-TR"/>
           </a:p>
@@ -1247,7 +1247,7 @@
           <a:p>
             <a:fld id="{A16A1021-2BFE-42FD-AEF7-2933E8367215}" type="datetimeFigureOut">
               <a:rPr lang="tr-TR" smtClean="0"/>
-              <a:t>5.01.2020</a:t>
+              <a:t>24.09.2020</a:t>
             </a:fld>
             <a:endParaRPr lang="tr-TR"/>
           </a:p>
@@ -1614,7 +1614,7 @@
           <a:p>
             <a:fld id="{A16A1021-2BFE-42FD-AEF7-2933E8367215}" type="datetimeFigureOut">
               <a:rPr lang="tr-TR" smtClean="0"/>
-              <a:t>5.01.2020</a:t>
+              <a:t>24.09.2020</a:t>
             </a:fld>
             <a:endParaRPr lang="tr-TR"/>
           </a:p>
@@ -1732,7 +1732,7 @@
           <a:p>
             <a:fld id="{A16A1021-2BFE-42FD-AEF7-2933E8367215}" type="datetimeFigureOut">
               <a:rPr lang="tr-TR" smtClean="0"/>
-              <a:t>5.01.2020</a:t>
+              <a:t>24.09.2020</a:t>
             </a:fld>
             <a:endParaRPr lang="tr-TR"/>
           </a:p>
@@ -1827,7 +1827,7 @@
           <a:p>
             <a:fld id="{A16A1021-2BFE-42FD-AEF7-2933E8367215}" type="datetimeFigureOut">
               <a:rPr lang="tr-TR" smtClean="0"/>
-              <a:t>5.01.2020</a:t>
+              <a:t>24.09.2020</a:t>
             </a:fld>
             <a:endParaRPr lang="tr-TR"/>
           </a:p>
@@ -2104,7 +2104,7 @@
           <a:p>
             <a:fld id="{A16A1021-2BFE-42FD-AEF7-2933E8367215}" type="datetimeFigureOut">
               <a:rPr lang="tr-TR" smtClean="0"/>
-              <a:t>5.01.2020</a:t>
+              <a:t>24.09.2020</a:t>
             </a:fld>
             <a:endParaRPr lang="tr-TR"/>
           </a:p>
@@ -2357,7 +2357,7 @@
           <a:p>
             <a:fld id="{A16A1021-2BFE-42FD-AEF7-2933E8367215}" type="datetimeFigureOut">
               <a:rPr lang="tr-TR" smtClean="0"/>
-              <a:t>5.01.2020</a:t>
+              <a:t>24.09.2020</a:t>
             </a:fld>
             <a:endParaRPr lang="tr-TR"/>
           </a:p>
@@ -2570,7 +2570,7 @@
           <a:p>
             <a:fld id="{A16A1021-2BFE-42FD-AEF7-2933E8367215}" type="datetimeFigureOut">
               <a:rPr lang="tr-TR" smtClean="0"/>
-              <a:t>5.01.2020</a:t>
+              <a:t>24.09.2020</a:t>
             </a:fld>
             <a:endParaRPr lang="tr-TR"/>
           </a:p>
@@ -3201,7 +3201,7 @@
           <a:p>
             <a:r>
               <a:rPr lang="tr-TR" dirty="0" smtClean="0"/>
-              <a:t>Metrics</a:t>
+              <a:t>Decision Trees</a:t>
             </a:r>
             <a:endParaRPr lang="tr-TR" dirty="0"/>
           </a:p>
@@ -3216,7 +3216,7 @@
         <p:spPr>
           <a:xfrm>
             <a:off x="922713" y="1446415"/>
-            <a:ext cx="10016836" cy="369332"/>
+            <a:ext cx="10016836" cy="1200329"/>
           </a:xfrm>
           <a:prstGeom prst="rect">
             <a:avLst/>
@@ -3229,19 +3229,97 @@
           </a:bodyPr>
           <a:lstStyle/>
           <a:p>
-            <a:pPr algn="just"/>
             <a:r>
               <a:rPr lang="tr-TR" b="1" dirty="0" smtClean="0"/>
-              <a:t>Metrikler, xxxx</a:t>
+              <a:t>Karar Ağaçları,</a:t>
+            </a:r>
+            <a:r>
+              <a:rPr lang="tr-TR" dirty="0" smtClean="0"/>
+              <a:t> bir </a:t>
+            </a:r>
+            <a:r>
+              <a:rPr lang="tr-TR" dirty="0"/>
+              <a:t>öğeyle ilgili </a:t>
+            </a:r>
+            <a:r>
+              <a:rPr lang="tr-TR" dirty="0" smtClean="0"/>
+              <a:t>gözlemlerden</a:t>
+            </a:r>
+            <a:r>
+              <a:rPr lang="tr-TR" dirty="0"/>
+              <a:t>, öğenin hedef değeri </a:t>
+            </a:r>
+            <a:r>
+              <a:rPr lang="tr-TR" dirty="0" smtClean="0"/>
+              <a:t>ile </a:t>
+            </a:r>
+            <a:r>
+              <a:rPr lang="tr-TR" dirty="0"/>
+              <a:t>ilgili sonuçlara gitmek </a:t>
+            </a:r>
+            <a:r>
+              <a:rPr lang="tr-TR" dirty="0" smtClean="0"/>
+              <a:t>için kullanılan bir yöntemdir.</a:t>
             </a:r>
             <a:endParaRPr lang="tr-TR" dirty="0"/>
           </a:p>
-        </p:txBody>
-      </p:sp>
+          <a:p>
+            <a:r>
+              <a:rPr lang="tr-TR" dirty="0" smtClean="0"/>
+              <a:t/>
+            </a:r>
+            <a:br>
+              <a:rPr lang="tr-TR" dirty="0" smtClean="0"/>
+            </a:br>
+            <a:endParaRPr lang="tr-TR" dirty="0"/>
+          </a:p>
+        </p:txBody>
+      </p:sp>
+      <p:pic>
+        <p:nvPicPr>
+          <p:cNvPr id="1026" name="Picture 2" descr="Makine Öğrenmesi Üzerine Haftalık Notlar - #Sayı8 - Karar Ağaçları ve Daha  Fazlası | Revue"/>
+          <p:cNvPicPr>
+            <a:picLocks noChangeAspect="1" noChangeArrowheads="1"/>
+          </p:cNvPicPr>
+          <p:nvPr/>
+        </p:nvPicPr>
+        <p:blipFill>
+          <a:blip r:embed="rId2">
+            <a:extLst>
+              <a:ext uri="{28A0092B-C50C-407E-A947-70E740481C1C}">
+                <a14:useLocalDpi xmlns:a14="http://schemas.microsoft.com/office/drawing/2010/main" val="0"/>
+              </a:ext>
+            </a:extLst>
+          </a:blip>
+          <a:srcRect/>
+          <a:stretch>
+            <a:fillRect/>
+          </a:stretch>
+        </p:blipFill>
+        <p:spPr bwMode="auto">
+          <a:xfrm>
+            <a:off x="5394884" y="2046579"/>
+            <a:ext cx="6006130" cy="4574657"/>
+          </a:xfrm>
+          <a:prstGeom prst="rect">
+            <a:avLst/>
+          </a:prstGeom>
+          <a:noFill/>
+          <a:extLst>
+            <a:ext uri="{909E8E84-426E-40DD-AFC4-6F175D3DCCD1}">
+              <a14:hiddenFill xmlns:a14="http://schemas.microsoft.com/office/drawing/2010/main">
+                <a:solidFill>
+                  <a:srgbClr val="FFFFFF"/>
+                </a:solidFill>
+              </a14:hiddenFill>
+            </a:ext>
+          </a:extLst>
+        </p:spPr>
+      </p:pic>
     </p:spTree>
     <p:extLst>
       <p:ext uri="{BB962C8B-B14F-4D97-AF65-F5344CB8AC3E}">
-        <p14:creationId xmlns:p14="http://schemas.microsoft.com/office/powerpoint/2010/main" val="2188251914"/>
+        <p14:creationId xmlns:p14="http://schemas.microsoft.com/office/powerpoint/2010/main" val="4114302987"/>
       </p:ext>
     </p:extLst>
   </p:cSld>
@@ -3298,35 +3376,6 @@
           </a:p>
         </p:txBody>
       </p:sp>
-      <p:pic>
-        <p:nvPicPr>
-          <p:cNvPr id="4" name="Picture 3"/>
-          <p:cNvPicPr>
-            <a:picLocks noChangeAspect="1"/>
-          </p:cNvPicPr>
-          <p:nvPr/>
-        </p:nvPicPr>
-        <p:blipFill rotWithShape="1">
-          <a:blip r:embed="rId2">
-            <a:extLst>
-              <a:ext uri="{28A0092B-C50C-407E-A947-70E740481C1C}">
-                <a14:useLocalDpi xmlns:a14="http://schemas.microsoft.com/office/drawing/2010/main" val="0"/>
-              </a:ext>
-            </a:extLst>
-          </a:blip>
-          <a:srcRect l="20523" t="27031" r="19409" b="24363"/>
-          <a:stretch/>
-        </p:blipFill>
-        <p:spPr>
-          <a:xfrm>
-            <a:off x="2269374" y="2646744"/>
-            <a:ext cx="7323514" cy="3333404"/>
-          </a:xfrm>
-          <a:prstGeom prst="rect">
-            <a:avLst/>
-          </a:prstGeom>
-        </p:spPr>
-      </p:pic>
       <p:sp>
         <p:nvSpPr>
           <p:cNvPr id="5" name="TextBox 4"/>
@@ -3395,10 +3444,119 @@
           </a:p>
         </p:txBody>
       </p:sp>
+      <p:pic>
+        <p:nvPicPr>
+          <p:cNvPr id="1026" name="Picture 2" descr="Makine Öğrenmesi Üzerine Haftalık Notlar - #Sayı8 - Karar Ağaçları ve Daha  Fazlası | Revue"/>
+          <p:cNvPicPr>
+            <a:picLocks noChangeAspect="1" noChangeArrowheads="1"/>
+          </p:cNvPicPr>
+          <p:nvPr/>
+        </p:nvPicPr>
+        <p:blipFill>
+          <a:blip r:embed="rId2">
+            <a:extLst>
+              <a:ext uri="{28A0092B-C50C-407E-A947-70E740481C1C}">
+                <a14:useLocalDpi xmlns:a14="http://schemas.microsoft.com/office/drawing/2010/main" val="0"/>
+              </a:ext>
+            </a:extLst>
+          </a:blip>
+          <a:srcRect/>
+          <a:stretch>
+            <a:fillRect/>
+          </a:stretch>
+        </p:blipFill>
+        <p:spPr bwMode="auto">
+          <a:xfrm>
+            <a:off x="5388490" y="2046579"/>
+            <a:ext cx="6006130" cy="4574657"/>
+          </a:xfrm>
+          <a:prstGeom prst="rect">
+            <a:avLst/>
+          </a:prstGeom>
+          <a:noFill/>
+          <a:extLst>
+            <a:ext uri="{909E8E84-426E-40DD-AFC4-6F175D3DCCD1}">
+              <a14:hiddenFill xmlns:a14="http://schemas.microsoft.com/office/drawing/2010/main">
+                <a:solidFill>
+                  <a:srgbClr val="FFFFFF"/>
+                </a:solidFill>
+              </a14:hiddenFill>
+            </a:ext>
+          </a:extLst>
+        </p:spPr>
+      </p:pic>
+      <p:sp>
+        <p:nvSpPr>
+          <p:cNvPr id="3" name="Metin kutusu 2"/>
+          <p:cNvSpPr txBox="1"/>
+          <p:nvPr/>
+        </p:nvSpPr>
+        <p:spPr>
+          <a:xfrm>
+            <a:off x="9633858" y="3967100"/>
+            <a:ext cx="1159328" cy="584775"/>
+          </a:xfrm>
+          <a:prstGeom prst="rect">
+            <a:avLst/>
+          </a:prstGeom>
+          <a:solidFill>
+            <a:schemeClr val="bg1"/>
+          </a:solidFill>
+        </p:spPr>
+        <p:txBody>
+          <a:bodyPr wrap="square" rtlCol="0">
+            <a:spAutoFit/>
+          </a:bodyPr>
+          <a:lstStyle/>
+          <a:p>
+            <a:r>
+              <a:rPr lang="tr-TR" sz="1600" dirty="0" smtClean="0"/>
+              <a:t>Çiğ köfte ye!</a:t>
+            </a:r>
+            <a:endParaRPr lang="en-US" sz="1600" dirty="0"/>
+          </a:p>
+        </p:txBody>
+      </p:sp>
+      <p:sp>
+        <p:nvSpPr>
+          <p:cNvPr id="6" name="Metin kutusu 5"/>
+          <p:cNvSpPr txBox="1"/>
+          <p:nvPr/>
+        </p:nvSpPr>
+        <p:spPr>
+          <a:xfrm>
+            <a:off x="8391557" y="5654386"/>
+            <a:ext cx="1159328" cy="584775"/>
+          </a:xfrm>
+          <a:prstGeom prst="rect">
+            <a:avLst/>
+          </a:prstGeom>
+          <a:solidFill>
+            <a:schemeClr val="bg1"/>
+          </a:solidFill>
+        </p:spPr>
+        <p:txBody>
+          <a:bodyPr wrap="square" rtlCol="0">
+            <a:spAutoFit/>
+          </a:bodyPr>
+          <a:lstStyle/>
+          <a:p>
+            <a:pPr algn="ctr"/>
+            <a:r>
+              <a:rPr lang="tr-TR" sz="1600" dirty="0" smtClean="0"/>
+              <a:t>Uyu</a:t>
+            </a:r>
+          </a:p>
+          <a:p>
+            <a:pPr algn="ctr"/>
+            <a:endParaRPr lang="en-US" sz="1600" dirty="0"/>
+          </a:p>
+        </p:txBody>
+      </p:sp>
     </p:spTree>
     <p:extLst>
       <p:ext uri="{BB962C8B-B14F-4D97-AF65-F5344CB8AC3E}">
-        <p14:creationId xmlns:p14="http://schemas.microsoft.com/office/powerpoint/2010/main" val="4114302987"/>
+        <p14:creationId xmlns:p14="http://schemas.microsoft.com/office/powerpoint/2010/main" val="971972487"/>
       </p:ext>
     </p:extLst>
   </p:cSld>
@@ -3449,7 +3607,7 @@
           <a:p>
             <a:r>
               <a:rPr lang="tr-TR" dirty="0" smtClean="0"/>
-              <a:t>Gradient Boosting</a:t>
+              <a:t>Decision Trees</a:t>
             </a:r>
             <a:endParaRPr lang="tr-TR" dirty="0"/>
           </a:p>
@@ -3464,7 +3622,7 @@
         <p:spPr>
           <a:xfrm>
             <a:off x="922713" y="1446415"/>
-            <a:ext cx="10016836" cy="646331"/>
+            <a:ext cx="10016836" cy="1200329"/>
           </a:xfrm>
           <a:prstGeom prst="rect">
             <a:avLst/>
@@ -3479,25 +3637,59 @@
           <a:p>
             <a:r>
               <a:rPr lang="tr-TR" b="1" dirty="0" smtClean="0"/>
-              <a:t>Gradient Boost, </a:t>
+              <a:t>Karar Ağaçları,</a:t>
             </a:r>
             <a:r>
               <a:rPr lang="tr-TR" dirty="0" smtClean="0"/>
-              <a:t>regresyon ve sınıflandırma problemleri için karar ağaçları kullanılan  ve zayıf öğreniciler topluluğu şeklinde tahmin yapabilen bir makine öğrenmesi modelidir.</a:t>
-            </a:r>
+              <a:t> bir </a:t>
+            </a:r>
+            <a:r>
+              <a:rPr lang="tr-TR" dirty="0"/>
+              <a:t>öğeyle ilgili </a:t>
+            </a:r>
+            <a:r>
+              <a:rPr lang="tr-TR" dirty="0" smtClean="0"/>
+              <a:t>gözlemlerden</a:t>
+            </a:r>
+            <a:r>
+              <a:rPr lang="tr-TR" dirty="0"/>
+              <a:t>, öğenin hedef değeri </a:t>
+            </a:r>
+            <a:r>
+              <a:rPr lang="tr-TR" dirty="0" smtClean="0"/>
+              <a:t>ile </a:t>
+            </a:r>
+            <a:r>
+              <a:rPr lang="tr-TR" dirty="0"/>
+              <a:t>ilgili sonuçlara gitmek </a:t>
+            </a:r>
+            <a:r>
+              <a:rPr lang="tr-TR" dirty="0" smtClean="0"/>
+              <a:t>için kullanılan bir yöntemdir.</a:t>
+            </a:r>
+            <a:endParaRPr lang="tr-TR" dirty="0"/>
+          </a:p>
+          <a:p>
+            <a:r>
+              <a:rPr lang="tr-TR" dirty="0" smtClean="0"/>
+              <a:t/>
+            </a:r>
+            <a:br>
+              <a:rPr lang="tr-TR" dirty="0" smtClean="0"/>
+            </a:br>
             <a:endParaRPr lang="tr-TR" dirty="0"/>
           </a:p>
         </p:txBody>
       </p:sp>
       <p:pic>
         <p:nvPicPr>
-          <p:cNvPr id="3" name="Picture 2"/>
+          <p:cNvPr id="6" name="Picture 2" descr="Makine Öğrenmesi Üzerine Haftalık Notlar - #Sayı8 - Karar Ağaçları ve Daha  Fazlası | Revue"/>
           <p:cNvPicPr>
-            <a:picLocks noChangeAspect="1"/>
+            <a:picLocks noChangeAspect="1" noChangeArrowheads="1"/>
           </p:cNvPicPr>
           <p:nvPr/>
         </p:nvPicPr>
-        <p:blipFill rotWithShape="1">
+        <p:blipFill>
           <a:blip r:embed="rId2">
             <a:extLst>
               <a:ext uri="{28A0092B-C50C-407E-A947-70E740481C1C}">
@@ -3505,23 +3697,240 @@
               </a:ext>
             </a:extLst>
           </a:blip>
-          <a:srcRect l="9682" t="28000" r="6250" b="42061"/>
-          <a:stretch/>
+          <a:srcRect/>
+          <a:stretch>
+            <a:fillRect/>
+          </a:stretch>
         </p:blipFill>
-        <p:spPr>
+        <p:spPr bwMode="auto">
           <a:xfrm>
-            <a:off x="922713" y="2834640"/>
-            <a:ext cx="10249594" cy="2053244"/>
+            <a:off x="5388490" y="2046579"/>
+            <a:ext cx="6006130" cy="4574657"/>
           </a:xfrm>
           <a:prstGeom prst="rect">
             <a:avLst/>
           </a:prstGeom>
+          <a:noFill/>
+          <a:extLst>
+            <a:ext uri="{909E8E84-426E-40DD-AFC4-6F175D3DCCD1}">
+              <a14:hiddenFill xmlns:a14="http://schemas.microsoft.com/office/drawing/2010/main">
+                <a:solidFill>
+                  <a:srgbClr val="FFFFFF"/>
+                </a:solidFill>
+              </a14:hiddenFill>
+            </a:ext>
+          </a:extLst>
         </p:spPr>
       </p:pic>
+      <p:sp>
+        <p:nvSpPr>
+          <p:cNvPr id="3" name="Metin kutusu 2"/>
+          <p:cNvSpPr txBox="1"/>
+          <p:nvPr/>
+        </p:nvSpPr>
+        <p:spPr>
+          <a:xfrm>
+            <a:off x="922713" y="2432957"/>
+            <a:ext cx="5429250" cy="2708434"/>
+          </a:xfrm>
+          <a:prstGeom prst="rect">
+            <a:avLst/>
+          </a:prstGeom>
+          <a:noFill/>
+        </p:spPr>
+        <p:txBody>
+          <a:bodyPr wrap="square" rtlCol="0">
+            <a:spAutoFit/>
+          </a:bodyPr>
+          <a:lstStyle/>
+          <a:p>
+            <a:r>
+              <a:rPr lang="tr-TR" dirty="0" smtClean="0"/>
+              <a:t>Artıları:</a:t>
+            </a:r>
+          </a:p>
+          <a:p>
+            <a:pPr marL="285750" indent="-285750">
+              <a:buFont typeface="Wingdings" panose="05000000000000000000" pitchFamily="2" charset="2"/>
+              <a:buChar char="§"/>
+            </a:pPr>
+            <a:r>
+              <a:rPr lang="tr-TR" sz="1400" dirty="0" smtClean="0"/>
+              <a:t>Görselleştirme ve yorumlamak kolaydır.</a:t>
+            </a:r>
+          </a:p>
+          <a:p>
+            <a:pPr marL="285750" indent="-285750">
+              <a:buFont typeface="Wingdings" panose="05000000000000000000" pitchFamily="2" charset="2"/>
+              <a:buChar char="§"/>
+            </a:pPr>
+            <a:r>
+              <a:rPr lang="tr-TR" sz="1400" dirty="0" smtClean="0"/>
+              <a:t>Sayısal ve kategorik değişkenler ile çalışabilir.</a:t>
+            </a:r>
+          </a:p>
+          <a:p>
+            <a:pPr marL="285750" indent="-285750">
+              <a:buFont typeface="Wingdings" panose="05000000000000000000" pitchFamily="2" charset="2"/>
+              <a:buChar char="§"/>
+            </a:pPr>
+            <a:r>
+              <a:rPr lang="tr-TR" sz="1400" dirty="0" smtClean="0"/>
+              <a:t>Standardizasyon veya </a:t>
+            </a:r>
+            <a:r>
+              <a:rPr lang="tr-TR" sz="1400" dirty="0" err="1" smtClean="0"/>
+              <a:t>normalizasyona</a:t>
+            </a:r>
+            <a:r>
+              <a:rPr lang="tr-TR" sz="1400" dirty="0" smtClean="0"/>
+              <a:t> ihtiyaç yoktur.</a:t>
+            </a:r>
+          </a:p>
+          <a:p>
+            <a:pPr marL="285750" indent="-285750">
+              <a:buFont typeface="Wingdings" panose="05000000000000000000" pitchFamily="2" charset="2"/>
+              <a:buChar char="§"/>
+            </a:pPr>
+            <a:r>
+              <a:rPr lang="tr-TR" sz="1400" dirty="0" smtClean="0"/>
+              <a:t>Doğrusal olmayan ilişkileri kolayca ortaya çıkarır</a:t>
+            </a:r>
+          </a:p>
+          <a:p>
+            <a:pPr marL="285750" indent="-285750">
+              <a:buFont typeface="Wingdings" panose="05000000000000000000" pitchFamily="2" charset="2"/>
+              <a:buChar char="§"/>
+            </a:pPr>
+            <a:endParaRPr lang="tr-TR" dirty="0"/>
+          </a:p>
+          <a:p>
+            <a:r>
+              <a:rPr lang="tr-TR" dirty="0" smtClean="0"/>
+              <a:t>Eksiler:</a:t>
+            </a:r>
+          </a:p>
+          <a:p>
+            <a:pPr marL="285750" indent="-285750">
+              <a:buFont typeface="Wingdings" panose="05000000000000000000" pitchFamily="2" charset="2"/>
+              <a:buChar char="§"/>
+            </a:pPr>
+            <a:r>
+              <a:rPr lang="tr-TR" sz="1400" dirty="0" smtClean="0"/>
+              <a:t>Çok yüksek </a:t>
+            </a:r>
+            <a:r>
+              <a:rPr lang="tr-TR" sz="1400" dirty="0" err="1" smtClean="0"/>
+              <a:t>varyans</a:t>
+            </a:r>
+            <a:r>
+              <a:rPr lang="tr-TR" sz="1400" dirty="0" smtClean="0"/>
+              <a:t> vardır. Yani girdilerdeki küçük değişiklikler çıktılarda büyük sonuçlara sebebiyet verir.</a:t>
+            </a:r>
+          </a:p>
+          <a:p>
+            <a:pPr marL="285750" indent="-285750">
+              <a:buFont typeface="Wingdings" panose="05000000000000000000" pitchFamily="2" charset="2"/>
+              <a:buChar char="§"/>
+            </a:pPr>
+            <a:r>
+              <a:rPr lang="tr-TR" sz="1400" dirty="0" smtClean="0"/>
+              <a:t>Karar ağacı çok büyür ve derinleşirse açıklamak zorlaşır.</a:t>
+            </a:r>
+          </a:p>
+          <a:p>
+            <a:pPr marL="285750" indent="-285750">
+              <a:buFont typeface="Wingdings" panose="05000000000000000000" pitchFamily="2" charset="2"/>
+              <a:buChar char="§"/>
+            </a:pPr>
+            <a:r>
+              <a:rPr lang="tr-TR" sz="1400" dirty="0" err="1" smtClean="0"/>
+              <a:t>Overfitting’e</a:t>
+            </a:r>
+            <a:r>
+              <a:rPr lang="tr-TR" sz="1400" dirty="0" smtClean="0"/>
+              <a:t> çok yatkındır.</a:t>
+            </a:r>
+            <a:r>
+              <a:rPr lang="tr-TR" dirty="0" smtClean="0"/>
+              <a:t>	</a:t>
+            </a:r>
+            <a:endParaRPr lang="en-US" dirty="0"/>
+          </a:p>
+        </p:txBody>
+      </p:sp>
+      <p:sp>
+        <p:nvSpPr>
+          <p:cNvPr id="7" name="Metin kutusu 6"/>
+          <p:cNvSpPr txBox="1"/>
+          <p:nvPr/>
+        </p:nvSpPr>
+        <p:spPr>
+          <a:xfrm>
+            <a:off x="9633858" y="3967100"/>
+            <a:ext cx="1159328" cy="584775"/>
+          </a:xfrm>
+          <a:prstGeom prst="rect">
+            <a:avLst/>
+          </a:prstGeom>
+          <a:solidFill>
+            <a:schemeClr val="bg1"/>
+          </a:solidFill>
+        </p:spPr>
+        <p:txBody>
+          <a:bodyPr wrap="square" rtlCol="0">
+            <a:spAutoFit/>
+          </a:bodyPr>
+          <a:lstStyle/>
+          <a:p>
+            <a:r>
+              <a:rPr lang="tr-TR" sz="1600" dirty="0" smtClean="0"/>
+              <a:t>Çiğ köfte ye!</a:t>
+            </a:r>
+            <a:endParaRPr lang="en-US" sz="1600" dirty="0"/>
+          </a:p>
+        </p:txBody>
+      </p:sp>
+      <p:sp>
+        <p:nvSpPr>
+          <p:cNvPr id="8" name="Metin kutusu 7"/>
+          <p:cNvSpPr txBox="1"/>
+          <p:nvPr/>
+        </p:nvSpPr>
+        <p:spPr>
+          <a:xfrm>
+            <a:off x="8391557" y="5654386"/>
+            <a:ext cx="1159328" cy="584775"/>
+          </a:xfrm>
+          <a:prstGeom prst="rect">
+            <a:avLst/>
+          </a:prstGeom>
+          <a:solidFill>
+            <a:schemeClr val="bg1"/>
+          </a:solidFill>
+        </p:spPr>
+        <p:txBody>
+          <a:bodyPr wrap="square" rtlCol="0">
+            <a:spAutoFit/>
+          </a:bodyPr>
+          <a:lstStyle/>
+          <a:p>
+            <a:pPr algn="ctr"/>
+            <a:r>
+              <a:rPr lang="tr-TR" sz="1600" dirty="0" smtClean="0"/>
+              <a:t>Uyu</a:t>
+            </a:r>
+          </a:p>
+          <a:p>
+            <a:pPr algn="ctr"/>
+            <a:endParaRPr lang="en-US" sz="1600" dirty="0"/>
+          </a:p>
+        </p:txBody>
+      </p:sp>
     </p:spTree>
     <p:extLst>
       <p:ext uri="{BB962C8B-B14F-4D97-AF65-F5344CB8AC3E}">
-        <p14:creationId xmlns:p14="http://schemas.microsoft.com/office/powerpoint/2010/main" val="3875010279"/>
+        <p14:creationId xmlns:p14="http://schemas.microsoft.com/office/powerpoint/2010/main" val="3480343667"/>
       </p:ext>
     </p:extLst>
   </p:cSld>
